--- a/ネットワーク資料.pptx
+++ b/ネットワーク資料.pptx
@@ -3631,7 +3631,7 @@
           <a:lstStyle/>
           <a:p>
             <a:r>
-              <a:rPr kumimoji="1" lang="ja-JP" altLang="en-US"/>
+              <a:rPr kumimoji="1" lang="ja-JP" altLang="en-US" dirty="0"/>
               <a:t>ネットワーク資料</a:t>
             </a:r>
           </a:p>
@@ -3658,7 +3658,30 @@
           <a:bodyPr/>
           <a:lstStyle/>
           <a:p>
-            <a:endParaRPr kumimoji="1" lang="ja-JP" altLang="en-US"/>
+            <a:r>
+              <a:rPr kumimoji="1" lang="en-US" altLang="ja-JP" dirty="0"/>
+              <a:t>2</a:t>
+            </a:r>
+            <a:r>
+              <a:rPr kumimoji="1" lang="ja-JP" altLang="en-US" dirty="0"/>
+              <a:t>シ</a:t>
+            </a:r>
+            <a:r>
+              <a:rPr kumimoji="1" lang="en-US" altLang="ja-JP" dirty="0"/>
+              <a:t>2</a:t>
+            </a:r>
+            <a:r>
+              <a:rPr kumimoji="1" lang="ja-JP" altLang="en-US" dirty="0"/>
+              <a:t>開</a:t>
+            </a:r>
+            <a:r>
+              <a:rPr kumimoji="1" lang="en-US" altLang="ja-JP"/>
+              <a:t>1G </a:t>
+            </a:r>
+            <a:r>
+              <a:rPr kumimoji="1" lang="ja-JP" altLang="en-US" dirty="0"/>
+              <a:t>照井太一</a:t>
+            </a:r>
           </a:p>
         </p:txBody>
       </p:sp>
